--- a/Data Protection and Privacy v2.0.pptx
+++ b/Data Protection and Privacy v2.0.pptx
@@ -24,7 +24,7 @@
     <p:sldId id="348" r:id="rId15"/>
     <p:sldId id="349" r:id="rId16"/>
     <p:sldId id="350" r:id="rId17"/>
-    <p:sldId id="352" r:id="rId18"/>
+    <p:sldId id="283" r:id="rId18"/>
   </p:sldIdLst>
   <p:sldSz cx="12192000" cy="6858000"/>
   <p:notesSz cx="6858000" cy="9144000"/>
@@ -1069,11 +1069,11 @@
 </file>
 
 <file path=ppt/notesSlides/notesSlide16.xml><?xml version="1.0" encoding="utf-8"?>
-<p:notes xmlns:a="http://schemas.openxmlformats.org/drawingml/2006/main" xmlns:r="http://schemas.openxmlformats.org/officeDocument/2006/relationships" xmlns:p="http://schemas.openxmlformats.org/presentationml/2006/main">
+<p:notes xmlns:a="http://schemas.openxmlformats.org/drawingml/2006/main" xmlns:r="http://schemas.openxmlformats.org/officeDocument/2006/relationships" xmlns:p="http://schemas.openxmlformats.org/presentationml/2006/main" showMasterSp="0" showMasterPhAnim="0">
   <p:cSld>
     <p:spTree>
       <p:nvGrpSpPr>
-        <p:cNvPr id="1" name=""/>
+        <p:cNvPr id="1" name="Shape 581"/>
         <p:cNvGrpSpPr/>
         <p:nvPr/>
       </p:nvGrpSpPr>
@@ -1087,64 +1087,84 @@
       </p:grpSpPr>
       <p:sp>
         <p:nvSpPr>
-          <p:cNvPr id="2" name="Slide Image Placeholder 1"/>
+          <p:cNvPr id="582" name="Google Shape;582;p28:notes"/>
+          <p:cNvSpPr txBox="1">
+            <a:spLocks noGrp="1"/>
+          </p:cNvSpPr>
+          <p:nvPr>
+            <p:ph type="body" idx="1"/>
+          </p:nvPr>
+        </p:nvSpPr>
+        <p:spPr>
+          <a:xfrm>
+            <a:off x="685800" y="4400550"/>
+            <a:ext cx="5486400" cy="3086100"/>
+          </a:xfrm>
+          <a:prstGeom prst="rect">
+            <a:avLst/>
+          </a:prstGeom>
+        </p:spPr>
+        <p:txBody>
+          <a:bodyPr spcFirstLastPara="1" wrap="square" lIns="91425" tIns="45700" rIns="91425" bIns="45700" anchor="t" anchorCtr="0">
+            <a:noAutofit/>
+          </a:bodyPr>
+          <a:lstStyle/>
+          <a:p>
+            <a:pPr marL="0" lvl="0" indent="0" algn="l" rtl="0">
+              <a:spcBef>
+                <a:spcPts val="0"/>
+              </a:spcBef>
+              <a:spcAft>
+                <a:spcPts val="0"/>
+              </a:spcAft>
+              <a:buNone/>
+            </a:pPr>
+            <a:endParaRPr/>
+          </a:p>
+        </p:txBody>
+      </p:sp>
+      <p:sp>
+        <p:nvSpPr>
+          <p:cNvPr id="583" name="Google Shape;583;p28:notes"/>
           <p:cNvSpPr>
             <a:spLocks noGrp="1" noRot="1" noChangeAspect="1"/>
           </p:cNvSpPr>
           <p:nvPr>
-            <p:ph type="sldImg"/>
-          </p:nvPr>
-        </p:nvSpPr>
-        <p:spPr/>
-      </p:sp>
-      <p:sp>
-        <p:nvSpPr>
-          <p:cNvPr id="3" name="Notes Placeholder 2"/>
-          <p:cNvSpPr>
-            <a:spLocks noGrp="1"/>
-          </p:cNvSpPr>
-          <p:nvPr>
-            <p:ph type="body" idx="1"/>
-          </p:nvPr>
-        </p:nvSpPr>
-        <p:spPr/>
-        <p:txBody>
-          <a:bodyPr/>
-          <a:lstStyle/>
-          <a:p>
-            <a:endParaRPr lang="en-ZA" dirty="0"/>
-          </a:p>
-        </p:txBody>
-      </p:sp>
-      <p:sp>
-        <p:nvSpPr>
-          <p:cNvPr id="4" name="Slide Number Placeholder 3"/>
-          <p:cNvSpPr>
-            <a:spLocks noGrp="1"/>
-          </p:cNvSpPr>
-          <p:nvPr>
-            <p:ph type="sldNum" sz="quarter" idx="10"/>
-          </p:nvPr>
-        </p:nvSpPr>
-        <p:spPr/>
-        <p:txBody>
-          <a:bodyPr/>
-          <a:lstStyle/>
-          <a:p>
-            <a:fld id="{CC05FF8F-BF4B-4AB4-9922-2D64EACF4D98}" type="slidenum">
-              <a:rPr lang="en-US" smtClean="0"/>
-              <a:t>17</a:t>
-            </a:fld>
-            <a:endParaRPr lang="en-US" dirty="0"/>
-          </a:p>
-        </p:txBody>
+            <p:ph type="sldImg" idx="2"/>
+          </p:nvPr>
+        </p:nvSpPr>
+        <p:spPr>
+          <a:xfrm>
+            <a:off x="685800" y="1143000"/>
+            <a:ext cx="5486400" cy="3086100"/>
+          </a:xfrm>
+          <a:custGeom>
+            <a:avLst/>
+            <a:gdLst/>
+            <a:ahLst/>
+            <a:cxnLst/>
+            <a:rect l="l" t="t" r="r" b="b"/>
+            <a:pathLst>
+              <a:path w="120000" h="120000" extrusionOk="0">
+                <a:moveTo>
+                  <a:pt x="0" y="0"/>
+                </a:moveTo>
+                <a:lnTo>
+                  <a:pt x="120000" y="0"/>
+                </a:lnTo>
+                <a:lnTo>
+                  <a:pt x="120000" y="120000"/>
+                </a:lnTo>
+                <a:lnTo>
+                  <a:pt x="0" y="120000"/>
+                </a:lnTo>
+                <a:close/>
+              </a:path>
+            </a:pathLst>
+          </a:custGeom>
+        </p:spPr>
       </p:sp>
     </p:spTree>
-    <p:extLst>
-      <p:ext uri="{BB962C8B-B14F-4D97-AF65-F5344CB8AC3E}">
-        <p14:creationId xmlns:p14="http://schemas.microsoft.com/office/powerpoint/2010/main" val="1695013529"/>
-      </p:ext>
-    </p:extLst>
   </p:cSld>
   <p:clrMapOvr>
     <a:masterClrMapping/>
@@ -5508,7 +5528,7 @@
           <a:p>
             <a:pPr defTabSz="891445"/>
             <a:r>
-              <a:rPr lang="en-US" sz="2000" b="1" dirty="0">
+              <a:rPr lang="en-US" sz="2400" b="1" dirty="0">
                 <a:solidFill>
                   <a:srgbClr val="FFFFFF"/>
                 </a:solidFill>
@@ -5558,6 +5578,39 @@
           </a:p>
         </p:txBody>
       </p:sp>
+      <p:pic>
+        <p:nvPicPr>
+          <p:cNvPr id="7" name="Google Shape;394;p1">
+            <a:extLst>
+              <a:ext uri="{FF2B5EF4-FFF2-40B4-BE49-F238E27FC236}">
+                <a16:creationId xmlns:a16="http://schemas.microsoft.com/office/drawing/2014/main" id="{525E67F6-2C8F-4146-A955-22ACD9F700A7}"/>
+              </a:ext>
+            </a:extLst>
+          </p:cNvPr>
+          <p:cNvPicPr preferRelativeResize="0"/>
+          <p:nvPr/>
+        </p:nvPicPr>
+        <p:blipFill rotWithShape="1">
+          <a:blip r:embed="rId3">
+            <a:alphaModFix/>
+          </a:blip>
+          <a:srcRect/>
+          <a:stretch/>
+        </p:blipFill>
+        <p:spPr>
+          <a:xfrm>
+            <a:off x="10370139" y="64168"/>
+            <a:ext cx="1789777" cy="513347"/>
+          </a:xfrm>
+          <a:prstGeom prst="rect">
+            <a:avLst/>
+          </a:prstGeom>
+          <a:noFill/>
+          <a:ln>
+            <a:noFill/>
+          </a:ln>
+        </p:spPr>
+      </p:pic>
     </p:spTree>
     <p:extLst>
       <p:ext uri="{BB962C8B-B14F-4D97-AF65-F5344CB8AC3E}">
@@ -8547,7 +8600,7 @@
   <p:cSld>
     <p:spTree>
       <p:nvGrpSpPr>
-        <p:cNvPr id="1" name=""/>
+        <p:cNvPr id="1" name="Shape 584"/>
         <p:cNvGrpSpPr/>
         <p:nvPr/>
       </p:nvGrpSpPr>
@@ -8561,50 +8614,570 @@
       </p:grpSpPr>
       <p:sp>
         <p:nvSpPr>
-          <p:cNvPr id="5" name="Rectangle 4">
-            <a:extLst>
-              <a:ext uri="{FF2B5EF4-FFF2-40B4-BE49-F238E27FC236}">
-                <a16:creationId xmlns:a16="http://schemas.microsoft.com/office/drawing/2014/main" id="{FC9510A2-90D5-47CF-8655-B401FFDE9DF9}"/>
-              </a:ext>
-            </a:extLst>
-          </p:cNvPr>
-          <p:cNvSpPr/>
-          <p:nvPr/>
+          <p:cNvPr id="585" name="Google Shape;585;p28"/>
+          <p:cNvSpPr txBox="1">
+            <a:spLocks noGrp="1"/>
+          </p:cNvSpPr>
+          <p:nvPr>
+            <p:ph type="title"/>
+          </p:nvPr>
         </p:nvSpPr>
         <p:spPr>
           <a:xfrm>
-            <a:off x="4148524" y="2598003"/>
-            <a:ext cx="4744958" cy="830997"/>
+            <a:off x="961572" y="402253"/>
+            <a:ext cx="9601200" cy="1142385"/>
           </a:xfrm>
           <a:prstGeom prst="rect">
             <a:avLst/>
           </a:prstGeom>
+          <a:noFill/>
+          <a:ln>
+            <a:noFill/>
+          </a:ln>
         </p:spPr>
         <p:txBody>
-          <a:bodyPr wrap="square">
+          <a:bodyPr spcFirstLastPara="1" wrap="square" lIns="91425" tIns="45700" rIns="91425" bIns="45700" anchor="b" anchorCtr="0">
+            <a:normAutofit/>
+          </a:bodyPr>
+          <a:lstStyle/>
+          <a:p>
+            <a:pPr marL="0" lvl="0" indent="0" algn="ctr" rtl="0">
+              <a:lnSpc>
+                <a:spcPct val="90000"/>
+              </a:lnSpc>
+              <a:spcBef>
+                <a:spcPts val="0"/>
+              </a:spcBef>
+              <a:spcAft>
+                <a:spcPts val="0"/>
+              </a:spcAft>
+              <a:buClr>
+                <a:srgbClr val="A43E27"/>
+              </a:buClr>
+              <a:buSzPts val="4800"/>
+              <a:buFont typeface="Arial"/>
+              <a:buNone/>
+            </a:pPr>
+            <a:r>
+              <a:rPr lang="en-US" sz="4800" dirty="0"/>
+              <a:t>Thank you for watching</a:t>
+            </a:r>
+            <a:endParaRPr sz="4800" dirty="0"/>
+          </a:p>
+        </p:txBody>
+      </p:sp>
+      <p:pic>
+        <p:nvPicPr>
+          <p:cNvPr id="586" name="Google Shape;586;p28"/>
+          <p:cNvPicPr preferRelativeResize="0"/>
+          <p:nvPr/>
+        </p:nvPicPr>
+        <p:blipFill rotWithShape="1">
+          <a:blip r:embed="rId3">
+            <a:alphaModFix/>
+          </a:blip>
+          <a:srcRect/>
+          <a:stretch/>
+        </p:blipFill>
+        <p:spPr>
+          <a:xfrm>
+            <a:off x="2002095" y="2770200"/>
+            <a:ext cx="513350" cy="513350"/>
+          </a:xfrm>
+          <a:prstGeom prst="rect">
+            <a:avLst/>
+          </a:prstGeom>
+          <a:noFill/>
+          <a:ln>
+            <a:noFill/>
+          </a:ln>
+        </p:spPr>
+      </p:pic>
+      <p:pic>
+        <p:nvPicPr>
+          <p:cNvPr id="587" name="Google Shape;587;p28"/>
+          <p:cNvPicPr preferRelativeResize="0"/>
+          <p:nvPr/>
+        </p:nvPicPr>
+        <p:blipFill rotWithShape="1">
+          <a:blip r:embed="rId4">
+            <a:alphaModFix/>
+          </a:blip>
+          <a:srcRect t="-14839" b="14839"/>
+          <a:stretch/>
+        </p:blipFill>
+        <p:spPr>
+          <a:xfrm>
+            <a:off x="2048552" y="3656980"/>
+            <a:ext cx="513350" cy="513350"/>
+          </a:xfrm>
+          <a:prstGeom prst="rect">
+            <a:avLst/>
+          </a:prstGeom>
+          <a:noFill/>
+          <a:ln>
+            <a:noFill/>
+          </a:ln>
+        </p:spPr>
+      </p:pic>
+      <p:sp>
+        <p:nvSpPr>
+          <p:cNvPr id="588" name="Google Shape;588;p28"/>
+          <p:cNvSpPr txBox="1"/>
+          <p:nvPr/>
+        </p:nvSpPr>
+        <p:spPr>
+          <a:xfrm>
+            <a:off x="2835649" y="2742358"/>
+            <a:ext cx="8120700" cy="513300"/>
+          </a:xfrm>
+          <a:prstGeom prst="rect">
+            <a:avLst/>
+          </a:prstGeom>
+          <a:noFill/>
+          <a:ln>
+            <a:noFill/>
+          </a:ln>
+        </p:spPr>
+        <p:txBody>
+          <a:bodyPr spcFirstLastPara="1" wrap="square" lIns="91425" tIns="45700" rIns="91425" bIns="45700" anchor="b" anchorCtr="0">
+            <a:normAutofit/>
+          </a:bodyPr>
+          <a:lstStyle/>
+          <a:p>
+            <a:pPr marL="0" marR="0" lvl="0" indent="0" algn="l" rtl="0">
+              <a:lnSpc>
+                <a:spcPct val="90000"/>
+              </a:lnSpc>
+              <a:spcBef>
+                <a:spcPts val="0"/>
+              </a:spcBef>
+              <a:spcAft>
+                <a:spcPts val="0"/>
+              </a:spcAft>
+              <a:buClr>
+                <a:srgbClr val="A43E27"/>
+              </a:buClr>
+              <a:buSzPts val="2800"/>
+              <a:buFont typeface="Arial"/>
+              <a:buNone/>
+            </a:pPr>
+            <a:r>
+              <a:rPr lang="en-US" sz="2500" b="1" dirty="0">
+                <a:solidFill>
+                  <a:srgbClr val="A43E27"/>
+                </a:solidFill>
+                <a:latin typeface="Arial"/>
+                <a:ea typeface="Arial"/>
+                <a:cs typeface="Arial"/>
+                <a:sym typeface="Arial"/>
+              </a:rPr>
+              <a:t>scsp.community@gmail.com</a:t>
+            </a:r>
+            <a:endParaRPr sz="2500" b="1" dirty="0">
+              <a:solidFill>
+                <a:srgbClr val="A43E27"/>
+              </a:solidFill>
+              <a:latin typeface="Arial"/>
+              <a:ea typeface="Arial"/>
+              <a:cs typeface="Arial"/>
+              <a:sym typeface="Arial"/>
+            </a:endParaRPr>
+          </a:p>
+        </p:txBody>
+      </p:sp>
+      <p:sp>
+        <p:nvSpPr>
+          <p:cNvPr id="589" name="Google Shape;589;p28"/>
+          <p:cNvSpPr txBox="1"/>
+          <p:nvPr/>
+        </p:nvSpPr>
+        <p:spPr>
+          <a:xfrm>
+            <a:off x="2835649" y="3595530"/>
+            <a:ext cx="9601200" cy="574800"/>
+          </a:xfrm>
+          <a:prstGeom prst="rect">
+            <a:avLst/>
+          </a:prstGeom>
+          <a:noFill/>
+          <a:ln>
+            <a:noFill/>
+          </a:ln>
+        </p:spPr>
+        <p:txBody>
+          <a:bodyPr spcFirstLastPara="1" wrap="square" lIns="91425" tIns="45700" rIns="91425" bIns="45700" anchor="b" anchorCtr="0">
+            <a:normAutofit/>
+          </a:bodyPr>
+          <a:lstStyle/>
+          <a:p>
+            <a:pPr marL="0" marR="0" lvl="0" indent="0" algn="l" rtl="0">
+              <a:lnSpc>
+                <a:spcPct val="90000"/>
+              </a:lnSpc>
+              <a:spcBef>
+                <a:spcPts val="0"/>
+              </a:spcBef>
+              <a:spcAft>
+                <a:spcPts val="0"/>
+              </a:spcAft>
+              <a:buClr>
+                <a:srgbClr val="A43E27"/>
+              </a:buClr>
+              <a:buSzPts val="2800"/>
+              <a:buFont typeface="Arial"/>
+              <a:buNone/>
+            </a:pPr>
+            <a:r>
+              <a:rPr lang="en-US" sz="2500" b="1" dirty="0">
+                <a:solidFill>
+                  <a:srgbClr val="A43E27"/>
+                </a:solidFill>
+                <a:latin typeface="Arial"/>
+                <a:ea typeface="Arial"/>
+                <a:cs typeface="Arial"/>
+                <a:sym typeface="Arial"/>
+              </a:rPr>
+              <a:t>facebook.com/</a:t>
+            </a:r>
+            <a:r>
+              <a:rPr lang="en-US" sz="2500" b="1" dirty="0" err="1">
+                <a:solidFill>
+                  <a:srgbClr val="A43E27"/>
+                </a:solidFill>
+                <a:latin typeface="Arial"/>
+                <a:ea typeface="Arial"/>
+                <a:cs typeface="Arial"/>
+                <a:sym typeface="Arial"/>
+              </a:rPr>
+              <a:t>scspcommunity</a:t>
+            </a:r>
+            <a:r>
+              <a:rPr lang="en-US" sz="2500" b="1" dirty="0">
+                <a:solidFill>
+                  <a:srgbClr val="A43E27"/>
+                </a:solidFill>
+                <a:latin typeface="Arial"/>
+                <a:ea typeface="Arial"/>
+                <a:cs typeface="Arial"/>
+                <a:sym typeface="Arial"/>
+              </a:rPr>
+              <a:t>/</a:t>
+            </a:r>
+            <a:endParaRPr sz="1100" dirty="0"/>
+          </a:p>
+        </p:txBody>
+      </p:sp>
+      <p:pic>
+        <p:nvPicPr>
+          <p:cNvPr id="590" name="Google Shape;590;p28"/>
+          <p:cNvPicPr preferRelativeResize="0"/>
+          <p:nvPr/>
+        </p:nvPicPr>
+        <p:blipFill rotWithShape="1">
+          <a:blip r:embed="rId5">
+            <a:alphaModFix/>
+          </a:blip>
+          <a:srcRect/>
+          <a:stretch/>
+        </p:blipFill>
+        <p:spPr>
+          <a:xfrm>
+            <a:off x="10370139" y="64168"/>
+            <a:ext cx="1789777" cy="513347"/>
+          </a:xfrm>
+          <a:prstGeom prst="rect">
+            <a:avLst/>
+          </a:prstGeom>
+          <a:noFill/>
+          <a:ln>
+            <a:noFill/>
+          </a:ln>
+        </p:spPr>
+      </p:pic>
+      <p:pic>
+        <p:nvPicPr>
+          <p:cNvPr id="591" name="Google Shape;591;p28"/>
+          <p:cNvPicPr preferRelativeResize="0"/>
+          <p:nvPr/>
+        </p:nvPicPr>
+        <p:blipFill rotWithShape="1">
+          <a:blip r:embed="rId6">
+            <a:alphaModFix/>
+          </a:blip>
+          <a:srcRect l="65030"/>
+          <a:stretch/>
+        </p:blipFill>
+        <p:spPr>
+          <a:xfrm>
+            <a:off x="2002095" y="5426694"/>
+            <a:ext cx="606248" cy="574900"/>
+          </a:xfrm>
+          <a:prstGeom prst="rect">
+            <a:avLst/>
+          </a:prstGeom>
+          <a:noFill/>
+          <a:ln>
+            <a:noFill/>
+          </a:ln>
+        </p:spPr>
+      </p:pic>
+      <p:pic>
+        <p:nvPicPr>
+          <p:cNvPr id="592" name="Google Shape;592;p28"/>
+          <p:cNvPicPr preferRelativeResize="0"/>
+          <p:nvPr/>
+        </p:nvPicPr>
+        <p:blipFill>
+          <a:blip r:embed="rId7">
+            <a:alphaModFix/>
+          </a:blip>
+          <a:stretch>
+            <a:fillRect/>
+          </a:stretch>
+        </p:blipFill>
+        <p:spPr>
+          <a:xfrm>
+            <a:off x="1941999" y="4541837"/>
+            <a:ext cx="726439" cy="513350"/>
+          </a:xfrm>
+          <a:prstGeom prst="rect">
+            <a:avLst/>
+          </a:prstGeom>
+          <a:noFill/>
+          <a:ln>
+            <a:noFill/>
+          </a:ln>
+        </p:spPr>
+      </p:pic>
+      <p:sp>
+        <p:nvSpPr>
+          <p:cNvPr id="593" name="Google Shape;593;p28"/>
+          <p:cNvSpPr txBox="1"/>
+          <p:nvPr/>
+        </p:nvSpPr>
+        <p:spPr>
+          <a:xfrm>
+            <a:off x="2835649" y="5535813"/>
+            <a:ext cx="8120700" cy="513300"/>
+          </a:xfrm>
+          <a:prstGeom prst="rect">
+            <a:avLst/>
+          </a:prstGeom>
+          <a:noFill/>
+          <a:ln>
+            <a:noFill/>
+          </a:ln>
+        </p:spPr>
+        <p:txBody>
+          <a:bodyPr spcFirstLastPara="1" wrap="square" lIns="91425" tIns="45700" rIns="91425" bIns="45700" anchor="b" anchorCtr="0">
+            <a:noAutofit/>
+          </a:bodyPr>
+          <a:lstStyle/>
+          <a:p>
+            <a:pPr marL="0" marR="0" lvl="0" indent="0" algn="l" rtl="0">
+              <a:lnSpc>
+                <a:spcPct val="90000"/>
+              </a:lnSpc>
+              <a:spcBef>
+                <a:spcPts val="0"/>
+              </a:spcBef>
+              <a:spcAft>
+                <a:spcPts val="0"/>
+              </a:spcAft>
+              <a:buClr>
+                <a:srgbClr val="A43E27"/>
+              </a:buClr>
+              <a:buSzPts val="2800"/>
+              <a:buFont typeface="Arial"/>
+              <a:buNone/>
+            </a:pPr>
+            <a:r>
+              <a:rPr lang="en-US" sz="2500" b="1" dirty="0">
+                <a:solidFill>
+                  <a:srgbClr val="A43E27"/>
+                </a:solidFill>
+              </a:rPr>
+              <a:t>github.com/</a:t>
+            </a:r>
+            <a:r>
+              <a:rPr lang="en-US" sz="2500" b="1" dirty="0" err="1">
+                <a:solidFill>
+                  <a:srgbClr val="A43E27"/>
+                </a:solidFill>
+                <a:latin typeface="Arial"/>
+                <a:ea typeface="Arial"/>
+                <a:cs typeface="Arial"/>
+                <a:sym typeface="Arial"/>
+              </a:rPr>
+              <a:t>scsp</a:t>
+            </a:r>
+            <a:r>
+              <a:rPr lang="en-US" sz="2500" b="1" dirty="0">
+                <a:solidFill>
+                  <a:srgbClr val="A43E27"/>
+                </a:solidFill>
+              </a:rPr>
+              <a:t>-</a:t>
+            </a:r>
+            <a:r>
+              <a:rPr lang="en-US" sz="2500" b="1" dirty="0">
+                <a:solidFill>
+                  <a:srgbClr val="A43E27"/>
+                </a:solidFill>
+                <a:latin typeface="Arial"/>
+                <a:ea typeface="Arial"/>
+                <a:cs typeface="Arial"/>
+                <a:sym typeface="Arial"/>
+              </a:rPr>
+              <a:t>communit</a:t>
+            </a:r>
+            <a:r>
+              <a:rPr lang="en-US" sz="2500" b="1" dirty="0">
+                <a:solidFill>
+                  <a:srgbClr val="A43E27"/>
+                </a:solidFill>
+              </a:rPr>
+              <a:t>y</a:t>
+            </a:r>
+            <a:endParaRPr sz="2500" b="1" dirty="0">
+              <a:solidFill>
+                <a:srgbClr val="A43E27"/>
+              </a:solidFill>
+              <a:latin typeface="Arial"/>
+              <a:ea typeface="Arial"/>
+              <a:cs typeface="Arial"/>
+              <a:sym typeface="Arial"/>
+            </a:endParaRPr>
+          </a:p>
+        </p:txBody>
+      </p:sp>
+      <p:sp>
+        <p:nvSpPr>
+          <p:cNvPr id="594" name="Google Shape;594;p28"/>
+          <p:cNvSpPr txBox="1"/>
+          <p:nvPr/>
+        </p:nvSpPr>
+        <p:spPr>
+          <a:xfrm>
+            <a:off x="2835649" y="4510202"/>
+            <a:ext cx="8120700" cy="513300"/>
+          </a:xfrm>
+          <a:prstGeom prst="rect">
+            <a:avLst/>
+          </a:prstGeom>
+          <a:noFill/>
+          <a:ln>
+            <a:noFill/>
+          </a:ln>
+        </p:spPr>
+        <p:txBody>
+          <a:bodyPr spcFirstLastPara="1" wrap="square" lIns="91425" tIns="45700" rIns="91425" bIns="45700" anchor="b" anchorCtr="0">
+            <a:noAutofit/>
+          </a:bodyPr>
+          <a:lstStyle/>
+          <a:p>
+            <a:pPr marL="0" marR="0" lvl="0" indent="0" algn="l" rtl="0">
+              <a:lnSpc>
+                <a:spcPct val="90000"/>
+              </a:lnSpc>
+              <a:spcBef>
+                <a:spcPts val="0"/>
+              </a:spcBef>
+              <a:spcAft>
+                <a:spcPts val="0"/>
+              </a:spcAft>
+              <a:buClr>
+                <a:srgbClr val="A43E27"/>
+              </a:buClr>
+              <a:buSzPts val="2800"/>
+              <a:buFont typeface="Arial"/>
+              <a:buNone/>
+            </a:pPr>
+            <a:r>
+              <a:rPr lang="en-US" sz="2500" b="1" dirty="0">
+                <a:solidFill>
+                  <a:srgbClr val="A43E27"/>
+                </a:solidFill>
+              </a:rPr>
+              <a:t>SCSP C</a:t>
+            </a:r>
+            <a:r>
+              <a:rPr lang="en-US" sz="2500" b="1" dirty="0">
+                <a:solidFill>
+                  <a:srgbClr val="A43E27"/>
+                </a:solidFill>
+                <a:latin typeface="Arial"/>
+                <a:ea typeface="Arial"/>
+                <a:cs typeface="Arial"/>
+                <a:sym typeface="Arial"/>
+              </a:rPr>
+              <a:t>ommunity Channel</a:t>
+            </a:r>
+            <a:endParaRPr sz="2500" b="1" dirty="0">
+              <a:solidFill>
+                <a:srgbClr val="A43E27"/>
+              </a:solidFill>
+              <a:latin typeface="Arial"/>
+              <a:ea typeface="Arial"/>
+              <a:cs typeface="Arial"/>
+              <a:sym typeface="Arial"/>
+            </a:endParaRPr>
+          </a:p>
+        </p:txBody>
+      </p:sp>
+      <p:sp>
+        <p:nvSpPr>
+          <p:cNvPr id="2" name="TextBox 1">
+            <a:extLst>
+              <a:ext uri="{FF2B5EF4-FFF2-40B4-BE49-F238E27FC236}">
+                <a16:creationId xmlns:a16="http://schemas.microsoft.com/office/drawing/2014/main" id="{9AA6EDBA-3337-4E57-8CB3-095D62CAD547}"/>
+              </a:ext>
+            </a:extLst>
+          </p:cNvPr>
+          <p:cNvSpPr txBox="1"/>
+          <p:nvPr/>
+        </p:nvSpPr>
+        <p:spPr>
+          <a:xfrm>
+            <a:off x="1250581" y="1893960"/>
+            <a:ext cx="4170116" cy="646331"/>
+          </a:xfrm>
+          <a:prstGeom prst="rect">
+            <a:avLst/>
+          </a:prstGeom>
+          <a:noFill/>
+        </p:spPr>
+        <p:txBody>
+          <a:bodyPr wrap="none" rtlCol="0">
             <a:spAutoFit/>
           </a:bodyPr>
           <a:lstStyle/>
           <a:p>
             <a:r>
-              <a:rPr lang="en-US" sz="4800" dirty="0">
-                <a:latin typeface="EYInterstate" panose="02000503020000020004" pitchFamily="2" charset="0"/>
-              </a:rPr>
-              <a:t>Thank You !</a:t>
+              <a:rPr lang="en-US" sz="3600" b="1" dirty="0"/>
+              <a:t>Get in touch with us:</a:t>
             </a:r>
           </a:p>
         </p:txBody>
       </p:sp>
     </p:spTree>
-    <p:extLst>
-      <p:ext uri="{BB962C8B-B14F-4D97-AF65-F5344CB8AC3E}">
-        <p14:creationId xmlns:p14="http://schemas.microsoft.com/office/powerpoint/2010/main" val="1092457853"/>
-      </p:ext>
-    </p:extLst>
   </p:cSld>
   <p:clrMapOvr>
     <a:masterClrMapping/>
   </p:clrMapOvr>
+  <mc:AlternateContent xmlns:mc="http://schemas.openxmlformats.org/markup-compatibility/2006" xmlns:p14="http://schemas.microsoft.com/office/powerpoint/2010/main">
+    <mc:Choice Requires="p14">
+      <p:transition spd="med" p14:dur="700">
+        <p:fade/>
+      </p:transition>
+    </mc:Choice>
+    <mc:Fallback xmlns="" xmlns:mv="urn:schemas-microsoft-com:mac:vml" xmlns:c="http://schemas.openxmlformats.org/drawingml/2006/chart" xmlns:dgm="http://schemas.openxmlformats.org/drawingml/2006/diagram" xmlns:o="urn:schemas-microsoft-com:office:office" xmlns:v="urn:schemas-microsoft-com:vml" xmlns:pvml="urn:schemas-microsoft-com:office:powerpoint" xmlns:com="http://schemas.openxmlformats.org/drawingml/2006/compatibility" xmlns:p15="http://schemas.microsoft.com/office/powerpoint/2012/main">
+      <p:transition spd="slow">
+        <p:fade/>
+      </p:transition>
+    </mc:Fallback>
+  </mc:AlternateContent>
 </p:sld>
 </file>
 
